--- a/zPhysicsBook-PPT/Chap3-3.pptx
+++ b/zPhysicsBook-PPT/Chap3-3.pptx
@@ -676,7 +676,7 @@
           <a:p>
             <a:fld id="{0E6BA319-05E9-49EE-8F99-CA1240CA2757}" type="datetimeFigureOut">
               <a:rPr lang="en-US" smtClean="0"/>
-              <a:t>2/13/2017</a:t>
+              <a:t>7/5/2017</a:t>
             </a:fld>
             <a:endParaRPr lang="en-US"/>
           </a:p>
@@ -880,7 +880,7 @@
           <a:p>
             <a:fld id="{0E6BA319-05E9-49EE-8F99-CA1240CA2757}" type="datetimeFigureOut">
               <a:rPr lang="en-US" smtClean="0"/>
-              <a:t>2/13/2017</a:t>
+              <a:t>7/5/2017</a:t>
             </a:fld>
             <a:endParaRPr lang="en-US"/>
           </a:p>
@@ -1642,7 +1642,7 @@
           <a:p>
             <a:fld id="{0E6BA319-05E9-49EE-8F99-CA1240CA2757}" type="datetimeFigureOut">
               <a:rPr lang="en-US" smtClean="0"/>
-              <a:t>2/13/2017</a:t>
+              <a:t>7/5/2017</a:t>
             </a:fld>
             <a:endParaRPr lang="en-US"/>
           </a:p>
@@ -1898,7 +1898,7 @@
           <a:p>
             <a:fld id="{0E6BA319-05E9-49EE-8F99-CA1240CA2757}" type="datetimeFigureOut">
               <a:rPr lang="en-US" smtClean="0"/>
-              <a:t>2/13/2017</a:t>
+              <a:t>7/5/2017</a:t>
             </a:fld>
             <a:endParaRPr lang="en-US"/>
           </a:p>
@@ -2289,7 +2289,7 @@
           <a:p>
             <a:fld id="{0E6BA319-05E9-49EE-8F99-CA1240CA2757}" type="datetimeFigureOut">
               <a:rPr lang="en-US" smtClean="0"/>
-              <a:t>2/13/2017</a:t>
+              <a:t>7/5/2017</a:t>
             </a:fld>
             <a:endParaRPr lang="en-US"/>
           </a:p>
@@ -2431,7 +2431,7 @@
           <a:p>
             <a:fld id="{0E6BA319-05E9-49EE-8F99-CA1240CA2757}" type="datetimeFigureOut">
               <a:rPr lang="en-US" smtClean="0"/>
-              <a:t>2/13/2017</a:t>
+              <a:t>7/5/2017</a:t>
             </a:fld>
             <a:endParaRPr lang="en-US"/>
           </a:p>
@@ -2550,7 +2550,7 @@
           <a:p>
             <a:fld id="{0E6BA319-05E9-49EE-8F99-CA1240CA2757}" type="datetimeFigureOut">
               <a:rPr lang="en-US" smtClean="0"/>
-              <a:t>2/13/2017</a:t>
+              <a:t>7/5/2017</a:t>
             </a:fld>
             <a:endParaRPr lang="en-US"/>
           </a:p>
@@ -2851,7 +2851,7 @@
           <a:p>
             <a:fld id="{0E6BA319-05E9-49EE-8F99-CA1240CA2757}" type="datetimeFigureOut">
               <a:rPr lang="en-US" smtClean="0"/>
-              <a:t>2/13/2017</a:t>
+              <a:t>7/5/2017</a:t>
             </a:fld>
             <a:endParaRPr lang="en-US"/>
           </a:p>
@@ -3128,7 +3128,7 @@
           <a:p>
             <a:fld id="{0E6BA319-05E9-49EE-8F99-CA1240CA2757}" type="datetimeFigureOut">
               <a:rPr lang="en-US" smtClean="0"/>
-              <a:t>2/13/2017</a:t>
+              <a:t>7/5/2017</a:t>
             </a:fld>
             <a:endParaRPr lang="en-US"/>
           </a:p>
@@ -3686,11 +3686,7 @@
           <a:p>
             <a:r>
               <a:rPr lang="en-US" dirty="0" smtClean="0"/>
-              <a:t>3.3: </a:t>
-            </a:r>
-            <a:r>
-              <a:rPr lang="en-US" dirty="0" smtClean="0"/>
-              <a:t>Rectangle Collisions</a:t>
+              <a:t>3.3: Rectangle Collisions</a:t>
             </a:r>
             <a:endParaRPr lang="en-US" dirty="0"/>
           </a:p>
@@ -9835,8 +9831,12 @@
           <a:lstStyle/>
           <a:p>
             <a:r>
+              <a:rPr lang="en-US" smtClean="0"/>
+              <a:t>3.3 Collision </a:t>
+            </a:r>
+            <a:r>
               <a:rPr lang="en-US" dirty="0" smtClean="0"/>
-              <a:t>Collision between non-aligned Rectangles</a:t>
+              <a:t>between non-aligned Rectangles</a:t>
             </a:r>
             <a:endParaRPr lang="en-US" dirty="0"/>
           </a:p>
@@ -21265,25 +21265,7 @@
                 </a:solidFill>
                 <a:sym typeface="Wingdings" panose="05000000000000000000" pitchFamily="2" charset="2"/>
               </a:rPr>
-              <a:t>“</a:t>
-            </a:r>
-            <a:r>
-              <a:rPr lang="en-US" sz="1600" dirty="0" smtClean="0">
-                <a:solidFill>
-                  <a:schemeClr val="tx1"/>
-                </a:solidFill>
-                <a:sym typeface="Wingdings" panose="05000000000000000000" pitchFamily="2" charset="2"/>
-              </a:rPr>
-              <a:t>push out” (along </a:t>
-            </a:r>
-            <a:r>
-              <a:rPr lang="en-US" sz="1600" dirty="0" smtClean="0">
-                <a:solidFill>
-                  <a:schemeClr val="tx1"/>
-                </a:solidFill>
-                <a:sym typeface="Wingdings" panose="05000000000000000000" pitchFamily="2" charset="2"/>
-              </a:rPr>
-              <a:t> Axis direction)</a:t>
+              <a:t>“push out” (along  Axis direction)</a:t>
             </a:r>
             <a:endParaRPr lang="en-US" sz="1600" dirty="0">
               <a:solidFill>
@@ -31591,13 +31573,8 @@
             <a:pPr lvl="1"/>
             <a:r>
               <a:rPr lang="en-US" dirty="0" smtClean="0"/>
-              <a:t>Distance measured along face normal of </a:t>
+              <a:t>Distance measured along face normal of Edge-e</a:t>
             </a:r>
-            <a:r>
-              <a:rPr lang="en-US" dirty="0" smtClean="0"/>
-              <a:t>Edge-e</a:t>
-            </a:r>
-            <a:endParaRPr lang="en-US" dirty="0" smtClean="0"/>
           </a:p>
         </p:txBody>
       </p:sp>
